--- a/multi_panel_figures/Fig2.pptx
+++ b/multi_panel_figures/Fig2.pptx
@@ -5,8 +5,7 @@
     <p:sldMasterId id="2147483648" r:id="rId1"/>
   </p:sldMasterIdLst>
   <p:sldIdLst>
-    <p:sldId id="256" r:id="rId2"/>
-    <p:sldId id="257" r:id="rId3"/>
+    <p:sldId id="257" r:id="rId2"/>
   </p:sldIdLst>
   <p:sldSz cx="12192000" cy="6858000"/>
   <p:notesSz cx="6858000" cy="9144000"/>
@@ -105,6 +104,11 @@
       </a:defRPr>
     </a:lvl9pPr>
   </p:defaultTextStyle>
+  <p:extLst>
+    <p:ext uri="{EFAFB233-063F-42B5-8137-9DF3F51BA10A}">
+      <p15:sldGuideLst xmlns:p15="http://schemas.microsoft.com/office/powerpoint/2012/main"/>
+    </p:ext>
+  </p:extLst>
 </p:presentation>
 </file>
 
@@ -255,7 +259,7 @@
           <a:p>
             <a:fld id="{46B5EFFD-0C9F-AF41-8258-F8EEBEBECFF1}" type="datetimeFigureOut">
               <a:rPr lang="en-US" smtClean="0"/>
-              <a:t>5/1/19</a:t>
+              <a:t>5/11/19</a:t>
             </a:fld>
             <a:endParaRPr lang="en-US"/>
           </a:p>
@@ -453,7 +457,7 @@
           <a:p>
             <a:fld id="{46B5EFFD-0C9F-AF41-8258-F8EEBEBECFF1}" type="datetimeFigureOut">
               <a:rPr lang="en-US" smtClean="0"/>
-              <a:t>5/1/19</a:t>
+              <a:t>5/11/19</a:t>
             </a:fld>
             <a:endParaRPr lang="en-US"/>
           </a:p>
@@ -661,7 +665,7 @@
           <a:p>
             <a:fld id="{46B5EFFD-0C9F-AF41-8258-F8EEBEBECFF1}" type="datetimeFigureOut">
               <a:rPr lang="en-US" smtClean="0"/>
-              <a:t>5/1/19</a:t>
+              <a:t>5/11/19</a:t>
             </a:fld>
             <a:endParaRPr lang="en-US"/>
           </a:p>
@@ -859,7 +863,7 @@
           <a:p>
             <a:fld id="{46B5EFFD-0C9F-AF41-8258-F8EEBEBECFF1}" type="datetimeFigureOut">
               <a:rPr lang="en-US" smtClean="0"/>
-              <a:t>5/1/19</a:t>
+              <a:t>5/11/19</a:t>
             </a:fld>
             <a:endParaRPr lang="en-US"/>
           </a:p>
@@ -1134,7 +1138,7 @@
           <a:p>
             <a:fld id="{46B5EFFD-0C9F-AF41-8258-F8EEBEBECFF1}" type="datetimeFigureOut">
               <a:rPr lang="en-US" smtClean="0"/>
-              <a:t>5/1/19</a:t>
+              <a:t>5/11/19</a:t>
             </a:fld>
             <a:endParaRPr lang="en-US"/>
           </a:p>
@@ -1399,7 +1403,7 @@
           <a:p>
             <a:fld id="{46B5EFFD-0C9F-AF41-8258-F8EEBEBECFF1}" type="datetimeFigureOut">
               <a:rPr lang="en-US" smtClean="0"/>
-              <a:t>5/1/19</a:t>
+              <a:t>5/11/19</a:t>
             </a:fld>
             <a:endParaRPr lang="en-US"/>
           </a:p>
@@ -1811,7 +1815,7 @@
           <a:p>
             <a:fld id="{46B5EFFD-0C9F-AF41-8258-F8EEBEBECFF1}" type="datetimeFigureOut">
               <a:rPr lang="en-US" smtClean="0"/>
-              <a:t>5/1/19</a:t>
+              <a:t>5/11/19</a:t>
             </a:fld>
             <a:endParaRPr lang="en-US"/>
           </a:p>
@@ -1952,7 +1956,7 @@
           <a:p>
             <a:fld id="{46B5EFFD-0C9F-AF41-8258-F8EEBEBECFF1}" type="datetimeFigureOut">
               <a:rPr lang="en-US" smtClean="0"/>
-              <a:t>5/1/19</a:t>
+              <a:t>5/11/19</a:t>
             </a:fld>
             <a:endParaRPr lang="en-US"/>
           </a:p>
@@ -2065,7 +2069,7 @@
           <a:p>
             <a:fld id="{46B5EFFD-0C9F-AF41-8258-F8EEBEBECFF1}" type="datetimeFigureOut">
               <a:rPr lang="en-US" smtClean="0"/>
-              <a:t>5/1/19</a:t>
+              <a:t>5/11/19</a:t>
             </a:fld>
             <a:endParaRPr lang="en-US"/>
           </a:p>
@@ -2376,7 +2380,7 @@
           <a:p>
             <a:fld id="{46B5EFFD-0C9F-AF41-8258-F8EEBEBECFF1}" type="datetimeFigureOut">
               <a:rPr lang="en-US" smtClean="0"/>
-              <a:t>5/1/19</a:t>
+              <a:t>5/11/19</a:t>
             </a:fld>
             <a:endParaRPr lang="en-US"/>
           </a:p>
@@ -2664,7 +2668,7 @@
           <a:p>
             <a:fld id="{46B5EFFD-0C9F-AF41-8258-F8EEBEBECFF1}" type="datetimeFigureOut">
               <a:rPr lang="en-US" smtClean="0"/>
-              <a:t>5/1/19</a:t>
+              <a:t>5/11/19</a:t>
             </a:fld>
             <a:endParaRPr lang="en-US"/>
           </a:p>
@@ -2905,7 +2909,7 @@
           <a:p>
             <a:fld id="{46B5EFFD-0C9F-AF41-8258-F8EEBEBECFF1}" type="datetimeFigureOut">
               <a:rPr lang="en-US" smtClean="0"/>
-              <a:t>5/1/19</a:t>
+              <a:t>5/11/19</a:t>
             </a:fld>
             <a:endParaRPr lang="en-US"/>
           </a:p>
@@ -3324,186 +3328,6 @@
       </p:grpSpPr>
       <p:pic>
         <p:nvPicPr>
-          <p:cNvPr id="6" name="Picture 5">
-            <a:extLst>
-              <a:ext uri="{FF2B5EF4-FFF2-40B4-BE49-F238E27FC236}">
-                <a16:creationId xmlns:a16="http://schemas.microsoft.com/office/drawing/2014/main" id="{8AC6F048-2153-2B40-9725-14223E25A9AB}"/>
-              </a:ext>
-            </a:extLst>
-          </p:cNvPr>
-          <p:cNvPicPr>
-            <a:picLocks noChangeAspect="1"/>
-          </p:cNvPicPr>
-          <p:nvPr/>
-        </p:nvPicPr>
-        <p:blipFill>
-          <a:blip r:embed="rId2"/>
-          <a:stretch>
-            <a:fillRect/>
-          </a:stretch>
-        </p:blipFill>
-        <p:spPr>
-          <a:xfrm>
-            <a:off x="6665913" y="609600"/>
-            <a:ext cx="2832100" cy="2095500"/>
-          </a:xfrm>
-          <a:prstGeom prst="rect">
-            <a:avLst/>
-          </a:prstGeom>
-        </p:spPr>
-      </p:pic>
-      <p:pic>
-        <p:nvPicPr>
-          <p:cNvPr id="7" name="Picture 6">
-            <a:extLst>
-              <a:ext uri="{FF2B5EF4-FFF2-40B4-BE49-F238E27FC236}">
-                <a16:creationId xmlns:a16="http://schemas.microsoft.com/office/drawing/2014/main" id="{5A081656-CC92-AF4D-B802-1A778C2AA673}"/>
-              </a:ext>
-            </a:extLst>
-          </p:cNvPr>
-          <p:cNvPicPr>
-            <a:picLocks noChangeAspect="1"/>
-          </p:cNvPicPr>
-          <p:nvPr/>
-        </p:nvPicPr>
-        <p:blipFill>
-          <a:blip r:embed="rId3"/>
-          <a:stretch>
-            <a:fillRect/>
-          </a:stretch>
-        </p:blipFill>
-        <p:spPr>
-          <a:xfrm>
-            <a:off x="3733800" y="500062"/>
-            <a:ext cx="2755900" cy="2095500"/>
-          </a:xfrm>
-          <a:prstGeom prst="rect">
-            <a:avLst/>
-          </a:prstGeom>
-        </p:spPr>
-      </p:pic>
-      <p:pic>
-        <p:nvPicPr>
-          <p:cNvPr id="8" name="Picture 7">
-            <a:extLst>
-              <a:ext uri="{FF2B5EF4-FFF2-40B4-BE49-F238E27FC236}">
-                <a16:creationId xmlns:a16="http://schemas.microsoft.com/office/drawing/2014/main" id="{57B9A70D-4E89-D140-BFB6-41E41244FAFC}"/>
-              </a:ext>
-            </a:extLst>
-          </p:cNvPr>
-          <p:cNvPicPr>
-            <a:picLocks noChangeAspect="1"/>
-          </p:cNvPicPr>
-          <p:nvPr/>
-        </p:nvPicPr>
-        <p:blipFill>
-          <a:blip r:embed="rId4"/>
-          <a:stretch>
-            <a:fillRect/>
-          </a:stretch>
-        </p:blipFill>
-        <p:spPr>
-          <a:xfrm>
-            <a:off x="375311" y="3119437"/>
-            <a:ext cx="2895600" cy="2171700"/>
-          </a:xfrm>
-          <a:prstGeom prst="rect">
-            <a:avLst/>
-          </a:prstGeom>
-        </p:spPr>
-      </p:pic>
-      <p:pic>
-        <p:nvPicPr>
-          <p:cNvPr id="18" name="Picture 17">
-            <a:extLst>
-              <a:ext uri="{FF2B5EF4-FFF2-40B4-BE49-F238E27FC236}">
-                <a16:creationId xmlns:a16="http://schemas.microsoft.com/office/drawing/2014/main" id="{88A1F7FC-3DC8-D047-A729-87D8CF0539E0}"/>
-              </a:ext>
-            </a:extLst>
-          </p:cNvPr>
-          <p:cNvPicPr>
-            <a:picLocks noChangeAspect="1"/>
-          </p:cNvPicPr>
-          <p:nvPr/>
-        </p:nvPicPr>
-        <p:blipFill>
-          <a:blip r:embed="rId5"/>
-          <a:stretch>
-            <a:fillRect/>
-          </a:stretch>
-        </p:blipFill>
-        <p:spPr>
-          <a:xfrm>
-            <a:off x="3944938" y="3341689"/>
-            <a:ext cx="2692400" cy="1841500"/>
-          </a:xfrm>
-          <a:prstGeom prst="rect">
-            <a:avLst/>
-          </a:prstGeom>
-        </p:spPr>
-      </p:pic>
-      <p:pic>
-        <p:nvPicPr>
-          <p:cNvPr id="22" name="Picture 21">
-            <a:extLst>
-              <a:ext uri="{FF2B5EF4-FFF2-40B4-BE49-F238E27FC236}">
-                <a16:creationId xmlns:a16="http://schemas.microsoft.com/office/drawing/2014/main" id="{F6D18897-16DD-6E42-8A9F-5AAF969B435F}"/>
-              </a:ext>
-            </a:extLst>
-          </p:cNvPr>
-          <p:cNvPicPr>
-            <a:picLocks noChangeAspect="1"/>
-          </p:cNvPicPr>
-          <p:nvPr/>
-        </p:nvPicPr>
-        <p:blipFill>
-          <a:blip r:embed="rId6"/>
-          <a:stretch>
-            <a:fillRect/>
-          </a:stretch>
-        </p:blipFill>
-        <p:spPr>
-          <a:xfrm>
-            <a:off x="349911" y="336550"/>
-            <a:ext cx="2921000" cy="1841500"/>
-          </a:xfrm>
-          <a:prstGeom prst="rect">
-            <a:avLst/>
-          </a:prstGeom>
-        </p:spPr>
-      </p:pic>
-    </p:spTree>
-    <p:extLst>
-      <p:ext uri="{BB962C8B-B14F-4D97-AF65-F5344CB8AC3E}">
-        <p14:creationId xmlns:p14="http://schemas.microsoft.com/office/powerpoint/2010/main" val="3473688757"/>
-      </p:ext>
-    </p:extLst>
-  </p:cSld>
-  <p:clrMapOvr>
-    <a:masterClrMapping/>
-  </p:clrMapOvr>
-</p:sld>
-</file>
-
-<file path=ppt/slides/slide2.xml><?xml version="1.0" encoding="utf-8"?>
-<p:sld xmlns:a="http://schemas.openxmlformats.org/drawingml/2006/main" xmlns:r="http://schemas.openxmlformats.org/officeDocument/2006/relationships" xmlns:p="http://schemas.openxmlformats.org/presentationml/2006/main">
-  <p:cSld>
-    <p:spTree>
-      <p:nvGrpSpPr>
-        <p:cNvPr id="1" name=""/>
-        <p:cNvGrpSpPr/>
-        <p:nvPr/>
-      </p:nvGrpSpPr>
-      <p:grpSpPr>
-        <a:xfrm>
-          <a:off x="0" y="0"/>
-          <a:ext cx="0" cy="0"/>
-          <a:chOff x="0" y="0"/>
-          <a:chExt cx="0" cy="0"/>
-        </a:xfrm>
-      </p:grpSpPr>
-      <p:pic>
-        <p:nvPicPr>
           <p:cNvPr id="4" name="Picture 3">
             <a:extLst>
               <a:ext uri="{FF2B5EF4-FFF2-40B4-BE49-F238E27FC236}">
@@ -3546,8 +3370,8 @@
         </p:nvSpPr>
         <p:spPr>
           <a:xfrm>
-            <a:off x="507073" y="350838"/>
-            <a:ext cx="436338" cy="369332"/>
+            <a:off x="507073" y="260092"/>
+            <a:ext cx="295274" cy="369332"/>
           </a:xfrm>
           <a:prstGeom prst="rect">
             <a:avLst/>
@@ -3562,7 +3386,7 @@
           <a:p>
             <a:r>
               <a:rPr lang="en-US" dirty="0"/>
-              <a:t>(a)</a:t>
+              <a:t>a</a:t>
             </a:r>
           </a:p>
         </p:txBody>
@@ -3641,8 +3465,8 @@
         </p:nvSpPr>
         <p:spPr>
           <a:xfrm>
-            <a:off x="4222275" y="169347"/>
-            <a:ext cx="447558" cy="369332"/>
+            <a:off x="4222275" y="260092"/>
+            <a:ext cx="306494" cy="369332"/>
           </a:xfrm>
           <a:prstGeom prst="rect">
             <a:avLst/>
@@ -3657,7 +3481,7 @@
           <a:p>
             <a:r>
               <a:rPr lang="en-US" dirty="0"/>
-              <a:t>(b)</a:t>
+              <a:t>b</a:t>
             </a:r>
           </a:p>
         </p:txBody>
@@ -3676,8 +3500,8 @@
         </p:nvSpPr>
         <p:spPr>
           <a:xfrm>
-            <a:off x="7948697" y="201613"/>
-            <a:ext cx="423514" cy="369332"/>
+            <a:off x="7948697" y="260092"/>
+            <a:ext cx="282450" cy="369332"/>
           </a:xfrm>
           <a:prstGeom prst="rect">
             <a:avLst/>
@@ -3692,17 +3516,122 @@
           <a:p>
             <a:r>
               <a:rPr lang="en-US" dirty="0"/>
-              <a:t>(c)</a:t>
+              <a:t>c</a:t>
+            </a:r>
+          </a:p>
+        </p:txBody>
+      </p:sp>
+      <p:sp>
+        <p:nvSpPr>
+          <p:cNvPr id="13" name="TextBox 12">
+            <a:extLst>
+              <a:ext uri="{FF2B5EF4-FFF2-40B4-BE49-F238E27FC236}">
+                <a16:creationId xmlns:a16="http://schemas.microsoft.com/office/drawing/2014/main" id="{2E96122A-39E1-9E4A-A629-16DB7CF5C3B1}"/>
+              </a:ext>
+            </a:extLst>
+          </p:cNvPr>
+          <p:cNvSpPr txBox="1"/>
+          <p:nvPr/>
+        </p:nvSpPr>
+        <p:spPr>
+          <a:xfrm>
+            <a:off x="616158" y="2874338"/>
+            <a:ext cx="306494" cy="369332"/>
+          </a:xfrm>
+          <a:prstGeom prst="rect">
+            <a:avLst/>
+          </a:prstGeom>
+          <a:noFill/>
+        </p:spPr>
+        <p:txBody>
+          <a:bodyPr wrap="none" rtlCol="0">
+            <a:spAutoFit/>
+          </a:bodyPr>
+          <a:lstStyle/>
+          <a:p>
+            <a:r>
+              <a:rPr lang="en-US" dirty="0"/>
+              <a:t>d</a:t>
+            </a:r>
+          </a:p>
+        </p:txBody>
+      </p:sp>
+      <p:sp>
+        <p:nvSpPr>
+          <p:cNvPr id="15" name="TextBox 14">
+            <a:extLst>
+              <a:ext uri="{FF2B5EF4-FFF2-40B4-BE49-F238E27FC236}">
+                <a16:creationId xmlns:a16="http://schemas.microsoft.com/office/drawing/2014/main" id="{2BC10A27-4AAB-734C-BEF7-F4D5D3A5BD60}"/>
+              </a:ext>
+            </a:extLst>
+          </p:cNvPr>
+          <p:cNvSpPr txBox="1"/>
+          <p:nvPr/>
+        </p:nvSpPr>
+        <p:spPr>
+          <a:xfrm>
+            <a:off x="4331360" y="2874338"/>
+            <a:ext cx="300082" cy="369332"/>
+          </a:xfrm>
+          <a:prstGeom prst="rect">
+            <a:avLst/>
+          </a:prstGeom>
+          <a:noFill/>
+        </p:spPr>
+        <p:txBody>
+          <a:bodyPr wrap="none" rtlCol="0">
+            <a:spAutoFit/>
+          </a:bodyPr>
+          <a:lstStyle/>
+          <a:p>
+            <a:r>
+              <a:rPr lang="en-US" dirty="0"/>
+              <a:t>e</a:t>
+            </a:r>
+          </a:p>
+        </p:txBody>
+      </p:sp>
+      <p:sp>
+        <p:nvSpPr>
+          <p:cNvPr id="16" name="TextBox 15">
+            <a:extLst>
+              <a:ext uri="{FF2B5EF4-FFF2-40B4-BE49-F238E27FC236}">
+                <a16:creationId xmlns:a16="http://schemas.microsoft.com/office/drawing/2014/main" id="{559EDC39-8B7D-5440-8BB7-C937F4D82E90}"/>
+              </a:ext>
+            </a:extLst>
+          </p:cNvPr>
+          <p:cNvSpPr txBox="1"/>
+          <p:nvPr/>
+        </p:nvSpPr>
+        <p:spPr>
+          <a:xfrm>
+            <a:off x="8057782" y="2874338"/>
+            <a:ext cx="255198" cy="369332"/>
+          </a:xfrm>
+          <a:prstGeom prst="rect">
+            <a:avLst/>
+          </a:prstGeom>
+          <a:noFill/>
+        </p:spPr>
+        <p:txBody>
+          <a:bodyPr wrap="none" rtlCol="0">
+            <a:spAutoFit/>
+          </a:bodyPr>
+          <a:lstStyle/>
+          <a:p>
+            <a:r>
+              <a:rPr lang="en-US" dirty="0"/>
+              <a:t>f</a:t>
             </a:r>
           </a:p>
         </p:txBody>
       </p:sp>
       <p:pic>
         <p:nvPicPr>
-          <p:cNvPr id="11" name="Picture 10">
-            <a:extLst>
-              <a:ext uri="{FF2B5EF4-FFF2-40B4-BE49-F238E27FC236}">
-                <a16:creationId xmlns:a16="http://schemas.microsoft.com/office/drawing/2014/main" id="{24065C7F-A851-CC4F-86AF-3D21C97EF20A}"/>
+          <p:cNvPr id="3" name="Picture 2">
+            <a:extLst>
+              <a:ext uri="{FF2B5EF4-FFF2-40B4-BE49-F238E27FC236}">
+                <a16:creationId xmlns:a16="http://schemas.microsoft.com/office/drawing/2014/main" id="{40E261DF-033D-B44D-B7BC-173A65811479}"/>
               </a:ext>
             </a:extLst>
           </p:cNvPr>
@@ -3719,8 +3648,8 @@
         </p:blipFill>
         <p:spPr>
           <a:xfrm>
-            <a:off x="943411" y="2986087"/>
-            <a:ext cx="2755900" cy="2095500"/>
+            <a:off x="922652" y="3243670"/>
+            <a:ext cx="2794000" cy="2120900"/>
           </a:xfrm>
           <a:prstGeom prst="rect">
             <a:avLst/>
@@ -3729,10 +3658,10 @@
       </p:pic>
       <p:pic>
         <p:nvPicPr>
-          <p:cNvPr id="12" name="Picture 11">
-            <a:extLst>
-              <a:ext uri="{FF2B5EF4-FFF2-40B4-BE49-F238E27FC236}">
-                <a16:creationId xmlns:a16="http://schemas.microsoft.com/office/drawing/2014/main" id="{0BE17C75-9EC5-0F47-A768-9B7B7DF497D9}"/>
+          <p:cNvPr id="6" name="Picture 5">
+            <a:extLst>
+              <a:ext uri="{FF2B5EF4-FFF2-40B4-BE49-F238E27FC236}">
+                <a16:creationId xmlns:a16="http://schemas.microsoft.com/office/drawing/2014/main" id="{735DF932-CFA3-504D-A42E-9E64FE2F61E0}"/>
               </a:ext>
             </a:extLst>
           </p:cNvPr>
@@ -3749,8 +3678,8 @@
         </p:blipFill>
         <p:spPr>
           <a:xfrm>
-            <a:off x="4669833" y="2986087"/>
-            <a:ext cx="2832100" cy="2095500"/>
+            <a:off x="4631442" y="3333506"/>
+            <a:ext cx="2794000" cy="2120900"/>
           </a:xfrm>
           <a:prstGeom prst="rect">
             <a:avLst/>
@@ -3759,10 +3688,10 @@
       </p:pic>
       <p:pic>
         <p:nvPicPr>
-          <p:cNvPr id="14" name="Picture 13">
-            <a:extLst>
-              <a:ext uri="{FF2B5EF4-FFF2-40B4-BE49-F238E27FC236}">
-                <a16:creationId xmlns:a16="http://schemas.microsoft.com/office/drawing/2014/main" id="{9BA2FDF4-3C2B-454D-8B14-60A98A04556B}"/>
+          <p:cNvPr id="17" name="Picture 16">
+            <a:extLst>
+              <a:ext uri="{FF2B5EF4-FFF2-40B4-BE49-F238E27FC236}">
+                <a16:creationId xmlns:a16="http://schemas.microsoft.com/office/drawing/2014/main" id="{DE46EC10-C2BE-AC45-90B6-44D4F35FE193}"/>
               </a:ext>
             </a:extLst>
           </p:cNvPr>
@@ -3779,8 +3708,8 @@
         </p:blipFill>
         <p:spPr>
           <a:xfrm>
-            <a:off x="8129234" y="2986087"/>
-            <a:ext cx="2895600" cy="2171700"/>
+            <a:off x="8424548" y="3339368"/>
+            <a:ext cx="2844800" cy="2120900"/>
           </a:xfrm>
           <a:prstGeom prst="rect">
             <a:avLst/>
